--- a/PowerPoints/05 - Lexical Analysis.pptx
+++ b/PowerPoints/05 - Lexical Analysis.pptx
@@ -265,13 +265,13 @@
           <a:effectLst/>
         </p:spPr>
         <p:txBody>
-          <a:bodyPr vert="horz" wrap="square" lIns="96617" tIns="48311" rIns="96617" bIns="48311" numCol="1" anchor="t" anchorCtr="0" compatLnSpc="1">
+          <a:bodyPr vert="horz" wrap="square" lIns="96603" tIns="48304" rIns="96603" bIns="48304" numCol="1" anchor="t" anchorCtr="0" compatLnSpc="1">
             <a:prstTxWarp prst="textNoShape">
               <a:avLst/>
             </a:prstTxWarp>
           </a:bodyPr>
           <a:lstStyle>
-            <a:lvl1pPr algn="r" defTabSz="966231">
+            <a:lvl1pPr algn="r" defTabSz="966089">
               <a:defRPr sz="1200"/>
             </a:lvl1pPr>
           </a:lstStyle>
@@ -316,13 +316,13 @@
           <a:effectLst/>
         </p:spPr>
         <p:txBody>
-          <a:bodyPr vert="horz" wrap="square" lIns="96617" tIns="48311" rIns="96617" bIns="48311" numCol="1" anchor="b" anchorCtr="0" compatLnSpc="1">
+          <a:bodyPr vert="horz" wrap="square" lIns="96603" tIns="48304" rIns="96603" bIns="48304" numCol="1" anchor="b" anchorCtr="0" compatLnSpc="1">
             <a:prstTxWarp prst="textNoShape">
               <a:avLst/>
             </a:prstTxWarp>
           </a:bodyPr>
           <a:lstStyle>
-            <a:lvl1pPr algn="r" defTabSz="966231">
+            <a:lvl1pPr algn="r" defTabSz="966089">
               <a:defRPr sz="1200"/>
             </a:lvl1pPr>
           </a:lstStyle>
@@ -415,13 +415,13 @@
           <a:effectLst/>
         </p:spPr>
         <p:txBody>
-          <a:bodyPr vert="horz" wrap="square" lIns="96617" tIns="48311" rIns="96617" bIns="48311" numCol="1" anchor="t" anchorCtr="0" compatLnSpc="1">
+          <a:bodyPr vert="horz" wrap="square" lIns="96603" tIns="48304" rIns="96603" bIns="48304" numCol="1" anchor="t" anchorCtr="0" compatLnSpc="1">
             <a:prstTxWarp prst="textNoShape">
               <a:avLst/>
             </a:prstTxWarp>
           </a:bodyPr>
           <a:lstStyle>
-            <a:lvl1pPr algn="l" defTabSz="966231">
+            <a:lvl1pPr algn="l" defTabSz="966089">
               <a:defRPr sz="1200"/>
             </a:lvl1pPr>
           </a:lstStyle>
@@ -464,13 +464,13 @@
           <a:effectLst/>
         </p:spPr>
         <p:txBody>
-          <a:bodyPr vert="horz" wrap="square" lIns="96617" tIns="48311" rIns="96617" bIns="48311" numCol="1" anchor="t" anchorCtr="0" compatLnSpc="1">
+          <a:bodyPr vert="horz" wrap="square" lIns="96603" tIns="48304" rIns="96603" bIns="48304" numCol="1" anchor="t" anchorCtr="0" compatLnSpc="1">
             <a:prstTxWarp prst="textNoShape">
               <a:avLst/>
             </a:prstTxWarp>
           </a:bodyPr>
           <a:lstStyle>
-            <a:lvl1pPr algn="r" defTabSz="966231">
+            <a:lvl1pPr algn="r" defTabSz="966089">
               <a:defRPr sz="1200"/>
             </a:lvl1pPr>
           </a:lstStyle>
@@ -523,7 +523,7 @@
         </p:nvSpPr>
         <p:spPr bwMode="auto">
           <a:xfrm>
-            <a:off x="975361" y="4560698"/>
+            <a:off x="975361" y="4560699"/>
             <a:ext cx="5364480" cy="4319954"/>
           </a:xfrm>
           <a:prstGeom prst="rect">
@@ -539,7 +539,7 @@
           <a:effectLst/>
         </p:spPr>
         <p:txBody>
-          <a:bodyPr vert="horz" wrap="square" lIns="96617" tIns="48311" rIns="96617" bIns="48311" numCol="1" anchor="t" anchorCtr="0" compatLnSpc="1">
+          <a:bodyPr vert="horz" wrap="square" lIns="96603" tIns="48304" rIns="96603" bIns="48304" numCol="1" anchor="t" anchorCtr="0" compatLnSpc="1">
             <a:prstTxWarp prst="textNoShape">
               <a:avLst/>
             </a:prstTxWarp>
@@ -610,13 +610,13 @@
           <a:effectLst/>
         </p:spPr>
         <p:txBody>
-          <a:bodyPr vert="horz" wrap="square" lIns="96617" tIns="48311" rIns="96617" bIns="48311" numCol="1" anchor="b" anchorCtr="0" compatLnSpc="1">
+          <a:bodyPr vert="horz" wrap="square" lIns="96603" tIns="48304" rIns="96603" bIns="48304" numCol="1" anchor="b" anchorCtr="0" compatLnSpc="1">
             <a:prstTxWarp prst="textNoShape">
               <a:avLst/>
             </a:prstTxWarp>
           </a:bodyPr>
           <a:lstStyle>
-            <a:lvl1pPr algn="l" defTabSz="966231">
+            <a:lvl1pPr algn="l" defTabSz="966089">
               <a:defRPr sz="1200"/>
             </a:lvl1pPr>
           </a:lstStyle>
@@ -656,13 +656,13 @@
           <a:effectLst/>
         </p:spPr>
         <p:txBody>
-          <a:bodyPr vert="horz" wrap="square" lIns="96617" tIns="48311" rIns="96617" bIns="48311" numCol="1" anchor="b" anchorCtr="0" compatLnSpc="1">
+          <a:bodyPr vert="horz" wrap="square" lIns="96603" tIns="48304" rIns="96603" bIns="48304" numCol="1" anchor="b" anchorCtr="0" compatLnSpc="1">
             <a:prstTxWarp prst="textNoShape">
               <a:avLst/>
             </a:prstTxWarp>
           </a:bodyPr>
           <a:lstStyle>
-            <a:lvl1pPr algn="r" defTabSz="966231">
+            <a:lvl1pPr algn="r" defTabSz="966089">
               <a:defRPr sz="1200"/>
             </a:lvl1pPr>
           </a:lstStyle>
@@ -9758,10 +9758,10 @@
       </p:cxnSp>
       <p:grpSp>
         <p:nvGrpSpPr>
-          <p:cNvPr id="2" name="Group 1">
+          <p:cNvPr id="7" name="Group 6">
             <a:extLst>
               <a:ext uri="{FF2B5EF4-FFF2-40B4-BE49-F238E27FC236}">
-                <a16:creationId xmlns:a16="http://schemas.microsoft.com/office/drawing/2014/main" id="{8AEC08D8-8CAC-A8E7-2D3D-45CC5403A79D}"/>
+                <a16:creationId xmlns:a16="http://schemas.microsoft.com/office/drawing/2014/main" id="{6ED3920A-7B97-B342-F997-4B89AF107288}"/>
               </a:ext>
             </a:extLst>
           </p:cNvPr>
@@ -9770,18 +9770,18 @@
         </p:nvGrpSpPr>
         <p:grpSpPr>
           <a:xfrm>
-            <a:off x="342900" y="5756275"/>
-            <a:ext cx="8458200" cy="339725"/>
+            <a:off x="76200" y="5715000"/>
+            <a:ext cx="8838860" cy="339725"/>
             <a:chOff x="304800" y="5334000"/>
-            <a:chExt cx="8458200" cy="339725"/>
+            <a:chExt cx="8572160" cy="339725"/>
           </a:xfrm>
         </p:grpSpPr>
         <p:sp>
           <p:nvSpPr>
-            <p:cNvPr id="3" name="Text Box 9">
+            <p:cNvPr id="9" name="Text Box 9">
               <a:extLst>
                 <a:ext uri="{FF2B5EF4-FFF2-40B4-BE49-F238E27FC236}">
-                  <a16:creationId xmlns:a16="http://schemas.microsoft.com/office/drawing/2014/main" id="{8EA5012E-5611-6804-C5A2-C2FA44E1BB1D}"/>
+                  <a16:creationId xmlns:a16="http://schemas.microsoft.com/office/drawing/2014/main" id="{61D5EA67-C47B-13CA-A0F1-CE96C9C21F56}"/>
                 </a:ext>
               </a:extLst>
             </p:cNvPr>
@@ -9821,10 +9821,10 @@
         </p:sp>
         <p:sp>
           <p:nvSpPr>
-            <p:cNvPr id="4" name="Text Box 10">
+            <p:cNvPr id="10" name="Text Box 10">
               <a:extLst>
                 <a:ext uri="{FF2B5EF4-FFF2-40B4-BE49-F238E27FC236}">
-                  <a16:creationId xmlns:a16="http://schemas.microsoft.com/office/drawing/2014/main" id="{307A4BA3-E5D0-BE9A-8A37-11D77AAA38C3}"/>
+                  <a16:creationId xmlns:a16="http://schemas.microsoft.com/office/drawing/2014/main" id="{3729CCCC-9CF7-08B9-EDC4-FAB90A8E97F3}"/>
                 </a:ext>
               </a:extLst>
             </p:cNvPr>
@@ -9835,7 +9835,7 @@
           </p:nvSpPr>
           <p:spPr bwMode="auto">
             <a:xfrm>
-              <a:off x="2397522" y="5334000"/>
+              <a:off x="2369032" y="5334000"/>
               <a:ext cx="1017588" cy="339725"/>
             </a:xfrm>
             <a:prstGeom prst="rect">
@@ -9864,10 +9864,10 @@
         </p:sp>
         <p:sp>
           <p:nvSpPr>
-            <p:cNvPr id="5" name="Text Box 11">
+            <p:cNvPr id="11" name="Text Box 11">
               <a:extLst>
                 <a:ext uri="{FF2B5EF4-FFF2-40B4-BE49-F238E27FC236}">
-                  <a16:creationId xmlns:a16="http://schemas.microsoft.com/office/drawing/2014/main" id="{F66E4E8E-42BD-FFA6-5B79-DE81DAAA205A}"/>
+                  <a16:creationId xmlns:a16="http://schemas.microsoft.com/office/drawing/2014/main" id="{70475759-D7B1-D1DF-2411-4DC642480BB2}"/>
                 </a:ext>
               </a:extLst>
             </p:cNvPr>
@@ -9878,7 +9878,7 @@
           </p:nvSpPr>
           <p:spPr bwMode="auto">
             <a:xfrm>
-              <a:off x="3480594" y="5334000"/>
+              <a:off x="3423614" y="5334000"/>
               <a:ext cx="2027238" cy="339725"/>
             </a:xfrm>
             <a:prstGeom prst="rect">
@@ -9907,10 +9907,10 @@
         </p:sp>
         <p:sp>
           <p:nvSpPr>
-            <p:cNvPr id="6" name="Text Box 12">
+            <p:cNvPr id="12" name="Text Box 12">
               <a:extLst>
                 <a:ext uri="{FF2B5EF4-FFF2-40B4-BE49-F238E27FC236}">
-                  <a16:creationId xmlns:a16="http://schemas.microsoft.com/office/drawing/2014/main" id="{411B0138-13CB-6299-2241-9059DB8DB4D1}"/>
+                  <a16:creationId xmlns:a16="http://schemas.microsoft.com/office/drawing/2014/main" id="{88581A0A-483B-DA2E-EDC1-581CF75B585F}"/>
                 </a:ext>
               </a:extLst>
             </p:cNvPr>
@@ -9921,7 +9921,7 @@
           </p:nvSpPr>
           <p:spPr bwMode="auto">
             <a:xfrm>
-              <a:off x="5573316" y="5334000"/>
+              <a:off x="5487846" y="5334000"/>
               <a:ext cx="960438" cy="339725"/>
             </a:xfrm>
             <a:prstGeom prst="rect">
@@ -9950,10 +9950,10 @@
         </p:sp>
         <p:sp>
           <p:nvSpPr>
-            <p:cNvPr id="8" name="Text Box 13">
+            <p:cNvPr id="13" name="Text Box 13">
               <a:extLst>
                 <a:ext uri="{FF2B5EF4-FFF2-40B4-BE49-F238E27FC236}">
-                  <a16:creationId xmlns:a16="http://schemas.microsoft.com/office/drawing/2014/main" id="{7B99E724-FB98-C4A7-945E-9D43BD72516E}"/>
+                  <a16:creationId xmlns:a16="http://schemas.microsoft.com/office/drawing/2014/main" id="{B9F62B47-C010-5A98-09EB-9B23A45106B3}"/>
                 </a:ext>
               </a:extLst>
             </p:cNvPr>
@@ -9964,8 +9964,8 @@
           </p:nvSpPr>
           <p:spPr bwMode="auto">
             <a:xfrm>
-              <a:off x="6599237" y="5334000"/>
-              <a:ext cx="2163763" cy="339725"/>
+              <a:off x="6485279" y="5334000"/>
+              <a:ext cx="2391681" cy="339196"/>
             </a:xfrm>
             <a:prstGeom prst="rect">
               <a:avLst/>
@@ -9986,7 +9986,7 @@
             <a:p>
               <a:r>
                 <a:rPr lang="en-US" sz="1600" dirty="0"/>
-                <a:t>intLiteral [(“1”, (1, 10)]</a:t>
+                <a:t>intLiteral [(“100”, (1, 10)]</a:t>
               </a:r>
             </a:p>
           </p:txBody>

--- a/PowerPoints/05 - Lexical Analysis.pptx
+++ b/PowerPoints/05 - Lexical Analysis.pptx
@@ -12,7 +12,7 @@
   </p:handoutMasterIdLst>
   <p:sldIdLst>
     <p:sldId id="256" r:id="rId2"/>
-    <p:sldId id="363" r:id="rId3"/>
+    <p:sldId id="368" r:id="rId3"/>
     <p:sldId id="257" r:id="rId4"/>
     <p:sldId id="261" r:id="rId5"/>
     <p:sldId id="268" r:id="rId6"/>
@@ -9172,16 +9172,26 @@
             </a:r>
           </a:p>
           <a:p>
-            <a:pPr lvl="2"/>
+            <a:pPr marL="914400" lvl="2" indent="0">
+              <a:buNone/>
+            </a:pPr>
             <a:r>
               <a:rPr lang="en-US" dirty="0">
                 <a:latin typeface="Consolas" panose="020B0609020204030204" pitchFamily="49" charset="0"/>
               </a:rPr>
-              <a:t>Position		•  Source</a:t>
-            </a:r>
-          </a:p>
-          <a:p>
-            <a:pPr lvl="2"/>
+              <a:t>• Position		 • Source</a:t>
+            </a:r>
+          </a:p>
+          <a:p>
+            <a:pPr marL="914400" lvl="2" indent="0">
+              <a:buNone/>
+            </a:pPr>
+            <a:r>
+              <a:rPr lang="en-US" dirty="0">
+                <a:latin typeface="Consolas" panose="020B0609020204030204" pitchFamily="49" charset="0"/>
+              </a:rPr>
+              <a:t>• </a:t>
+            </a:r>
             <a:r>
               <a:rPr lang="en-US" dirty="0" err="1">
                 <a:latin typeface="Consolas" panose="020B0609020204030204" pitchFamily="49" charset="0"/>
@@ -9192,7 +9202,7 @@
               <a:rPr lang="en-US" dirty="0">
                 <a:latin typeface="Consolas" panose="020B0609020204030204" pitchFamily="49" charset="0"/>
               </a:rPr>
-              <a:t>	•  </a:t>
+              <a:t>	 • </a:t>
             </a:r>
             <a:r>
               <a:rPr lang="en-US" dirty="0" err="1">
@@ -9205,7 +9215,15 @@
             </a:endParaRPr>
           </a:p>
           <a:p>
-            <a:pPr lvl="2"/>
+            <a:pPr marL="914400" lvl="2" indent="0">
+              <a:buNone/>
+            </a:pPr>
+            <a:r>
+              <a:rPr lang="en-US" dirty="0">
+                <a:latin typeface="Consolas" panose="020B0609020204030204" pitchFamily="49" charset="0"/>
+              </a:rPr>
+              <a:t>• </a:t>
+            </a:r>
             <a:r>
               <a:rPr lang="en-US" dirty="0" err="1">
                 <a:latin typeface="Consolas" panose="020B0609020204030204" pitchFamily="49" charset="0"/>
@@ -9234,10 +9252,14 @@
             </a:r>
           </a:p>
           <a:p>
-            <a:pPr lvl="2"/>
-            <a:r>
-              <a:rPr lang="en-US" dirty="0"/>
-              <a:t>Symbol		•  Token</a:t>
+            <a:pPr marL="914400" lvl="2" indent="0">
+              <a:buNone/>
+            </a:pPr>
+            <a:r>
+              <a:rPr lang="en-US" dirty="0">
+                <a:latin typeface="Consolas" panose="020B0609020204030204" pitchFamily="49" charset="0"/>
+              </a:rPr>
+              <a:t>• Symbol		 • Token</a:t>
             </a:r>
           </a:p>
         </p:txBody>
@@ -9317,7 +9339,7 @@
     </p:spTree>
     <p:extLst>
       <p:ext uri="{BB962C8B-B14F-4D97-AF65-F5344CB8AC3E}">
-        <p14:creationId xmlns:p14="http://schemas.microsoft.com/office/powerpoint/2010/main" val="840970868"/>
+        <p14:creationId xmlns:p14="http://schemas.microsoft.com/office/powerpoint/2010/main" val="2664064205"/>
       </p:ext>
     </p:extLst>
   </p:cSld>

--- a/PowerPoints/05 - Lexical Analysis.pptx
+++ b/PowerPoints/05 - Lexical Analysis.pptx
@@ -15880,7 +15880,7 @@
           <a:p>
             <a:r>
               <a:rPr lang="en-US" dirty="0"/>
-              <a:t>Scanning a Hexadecimal Literal</a:t>
+              <a:t>Scanning a Binary Literal</a:t>
             </a:r>
           </a:p>
         </p:txBody>
@@ -15903,8 +15903,8 @@
         </p:nvSpPr>
         <p:spPr>
           <a:xfrm>
-            <a:off x="381000" y="1363663"/>
-            <a:ext cx="8321040" cy="4935537"/>
+            <a:off x="289560" y="1363663"/>
+            <a:ext cx="8778240" cy="4935537"/>
           </a:xfrm>
         </p:spPr>
         <p:txBody>
@@ -15927,7 +15927,7 @@
               <a:rPr lang="en-US" sz="1750" dirty="0" err="1">
                 <a:latin typeface="Consolas" panose="020B0609020204030204" pitchFamily="49" charset="0"/>
               </a:rPr>
-              <a:t>scanHexLiteral</a:t>
+              <a:t>scanBinaryLiteral</a:t>
             </a:r>
             <a:r>
               <a:rPr lang="en-US" sz="1750" dirty="0">
@@ -15994,7 +15994,7 @@
               <a:rPr lang="en-US" sz="1750" dirty="0">
                 <a:latin typeface="Consolas" panose="020B0609020204030204" pitchFamily="49" charset="0"/>
               </a:rPr>
-              <a:t> contains "0X"</a:t>
+              <a:t> contains "0B"</a:t>
             </a:r>
           </a:p>
           <a:p>
@@ -16020,33 +16020,19 @@
               <a:rPr lang="en-US" sz="1750" dirty="0">
                 <a:latin typeface="Consolas" panose="020B0609020204030204" pitchFamily="49" charset="0"/>
               </a:rPr>
-              <a:t>(0) == '0'</a:t>
-            </a:r>
-          </a:p>
-          <a:p>
-            <a:pPr marL="0" indent="0">
-              <a:spcBef>
-                <a:spcPts val="100"/>
-              </a:spcBef>
-              <a:buNone/>
-            </a:pPr>
+              <a:t>(0) == '0' &amp;&amp; </a:t>
+            </a:r>
+            <a:r>
+              <a:rPr lang="en-US" sz="1750" dirty="0" err="1">
+                <a:latin typeface="Consolas" panose="020B0609020204030204" pitchFamily="49" charset="0"/>
+              </a:rPr>
+              <a:t>scanBuffer.charAt</a:t>
+            </a:r>
             <a:r>
               <a:rPr lang="en-US" sz="1750" dirty="0">
                 <a:latin typeface="Consolas" panose="020B0609020204030204" pitchFamily="49" charset="0"/>
               </a:rPr>
-              <a:t>        &amp;&amp; </a:t>
-            </a:r>
-            <a:r>
-              <a:rPr lang="en-US" sz="1750" dirty="0" err="1">
-                <a:latin typeface="Consolas" panose="020B0609020204030204" pitchFamily="49" charset="0"/>
-              </a:rPr>
-              <a:t>scanBuffer.charAt</a:t>
-            </a:r>
-            <a:r>
-              <a:rPr lang="en-US" sz="1750" dirty="0">
-                <a:latin typeface="Consolas" panose="020B0609020204030204" pitchFamily="49" charset="0"/>
-              </a:rPr>
-              <a:t>(1) == 'X';</a:t>
+              <a:t>(1) == 'B';</a:t>
             </a:r>
           </a:p>
           <a:p>
@@ -16071,7 +16057,7 @@
               <a:rPr lang="en-US" sz="1750" dirty="0">
                 <a:latin typeface="Consolas" panose="020B0609020204030204" pitchFamily="49" charset="0"/>
               </a:rPr>
-              <a:t>    // check that the next character is a hex digit</a:t>
+              <a:t>    // check that the next character is a binary digit</a:t>
             </a:r>
           </a:p>
           <a:p>
@@ -16091,7 +16077,7 @@
               <a:rPr lang="en-US" sz="1750" dirty="0" err="1">
                 <a:latin typeface="Consolas" panose="020B0609020204030204" pitchFamily="49" charset="0"/>
               </a:rPr>
-              <a:t>CharUtil.isHexDigit</a:t>
+              <a:t>CharUtil.isBinaryDigit</a:t>
             </a:r>
             <a:r>
               <a:rPr lang="en-US" sz="1750" dirty="0">
@@ -16123,7 +16109,7 @@
               <a:rPr lang="en-US" sz="1750" dirty="0">
                 <a:latin typeface="Consolas" panose="020B0609020204030204" pitchFamily="49" charset="0"/>
               </a:rPr>
-              <a:t>        throw error("Improperly formed hexadecimal literal.");</a:t>
+              <a:t>        throw error("Improperly formed binary literal.");</a:t>
             </a:r>
           </a:p>
           <a:p>
@@ -16260,7 +16246,7 @@
               <a:rPr lang="en-US" sz="1750" dirty="0" err="1">
                 <a:latin typeface="Consolas" panose="020B0609020204030204" pitchFamily="49" charset="0"/>
               </a:rPr>
-              <a:t>CharUtil.isHexDigit</a:t>
+              <a:t>CharUtil.isBinaryDigit</a:t>
             </a:r>
             <a:r>
               <a:rPr lang="en-US" sz="1750" dirty="0">
